--- a/AICTE PPT_ AKSHAT SHRIVASTAVA.pptx
+++ b/AICTE PPT_ AKSHAT SHRIVASTAVA.pptx
@@ -4546,7 +4546,7 @@
           <a:p>
             <a:r>
               <a:rPr lang="en-IN" dirty="0"/>
-              <a:t>Make sure that there should be readme file</a:t>
+              <a:t>https://github.com/Akshat033692/IBM-PROJECT.git</a:t>
             </a:r>
           </a:p>
         </p:txBody>
@@ -6592,6 +6592,15 @@
 </file>
 
 <file path=customXml/item2.xml><?xml version="1.0" encoding="utf-8"?>
+<?mso-contentType ?>
+<FormTemplates xmlns="http://schemas.microsoft.com/sharepoint/v3/contenttype/forms">
+  <Display>DocumentLibraryForm</Display>
+  <Edit>DocumentLibraryForm</Edit>
+  <New>DocumentLibraryForm</New>
+</FormTemplates>
+</file>
+
+<file path=customXml/item3.xml><?xml version="1.0" encoding="utf-8"?>
 <ct:contentTypeSchema xmlns:ct="http://schemas.microsoft.com/office/2006/metadata/contentType" xmlns:ma="http://schemas.microsoft.com/office/2006/metadata/properties/metaAttributes" ct:_="" ma:_="" ma:contentTypeName="Document" ma:contentTypeID="0x0101007F0268AC5E70984D8FE60B7154176407" ma:contentTypeVersion="15" ma:contentTypeDescription="Create a new document." ma:contentTypeScope="" ma:versionID="104e359103f0f57b1cf9676756e5b944">
   <xsd:schema xmlns:xsd="http://www.w3.org/2001/XMLSchema" xmlns:xs="http://www.w3.org/2001/XMLSchema" xmlns:p="http://schemas.microsoft.com/office/2006/metadata/properties" xmlns:ns3="b30265f8-c5e2-4918-b4a1-b977299ca3e2" xmlns:ns4="fadb41d3-f9cb-40fb-903c-8cacaba95bb5" targetNamespace="http://schemas.microsoft.com/office/2006/metadata/properties" ma:root="true" ma:fieldsID="5615b8f8aa772998bad551f24a33de0e" ns3:_="" ns4:_="">
     <xsd:import namespace="b30265f8-c5e2-4918-b4a1-b977299ca3e2"/>
@@ -6824,15 +6833,6 @@
 </ct:contentTypeSchema>
 </file>
 
-<file path=customXml/item3.xml><?xml version="1.0" encoding="utf-8"?>
-<?mso-contentType ?>
-<FormTemplates xmlns="http://schemas.microsoft.com/sharepoint/v3/contenttype/forms">
-  <Display>DocumentLibraryForm</Display>
-  <Edit>DocumentLibraryForm</Edit>
-  <New>DocumentLibraryForm</New>
-</FormTemplates>
-</file>
-
 <file path=customXml/itemProps1.xml><?xml version="1.0" encoding="utf-8"?>
 <ds:datastoreItem xmlns:ds="http://schemas.openxmlformats.org/officeDocument/2006/customXml" ds:itemID="{8D289AE2-D2AE-49D1-AFAC-3A79F6794255}">
   <ds:schemaRefs>
@@ -6851,6 +6851,14 @@
 </file>
 
 <file path=customXml/itemProps2.xml><?xml version="1.0" encoding="utf-8"?>
+<ds:datastoreItem xmlns:ds="http://schemas.openxmlformats.org/officeDocument/2006/customXml" ds:itemID="{927BD4C1-B6B1-4715-ABF9-E660A51A4EA0}">
+  <ds:schemaRefs>
+    <ds:schemaRef ds:uri="http://schemas.microsoft.com/sharepoint/v3/contenttype/forms"/>
+  </ds:schemaRefs>
+</ds:datastoreItem>
+</file>
+
+<file path=customXml/itemProps3.xml><?xml version="1.0" encoding="utf-8"?>
 <ds:datastoreItem xmlns:ds="http://schemas.openxmlformats.org/officeDocument/2006/customXml" ds:itemID="{9DD71778-17EE-4151-88AE-C8F4E8043BD9}">
   <ds:schemaRefs>
     <ds:schemaRef ds:uri="http://schemas.microsoft.com/office/2006/metadata/contentType"/>
@@ -6867,12 +6875,4 @@
     <ds:schemaRef ds:uri="http://schemas.microsoft.com/internal/obd"/>
   </ds:schemaRefs>
 </ds:datastoreItem>
-</file>
-
-<file path=customXml/itemProps3.xml><?xml version="1.0" encoding="utf-8"?>
-<ds:datastoreItem xmlns:ds="http://schemas.openxmlformats.org/officeDocument/2006/customXml" ds:itemID="{927BD4C1-B6B1-4715-ABF9-E660A51A4EA0}">
-  <ds:schemaRefs>
-    <ds:schemaRef ds:uri="http://schemas.microsoft.com/sharepoint/v3/contenttype/forms"/>
-  </ds:schemaRefs>
-</ds:datastoreItem>
 </file>
--- a/AICTE PPT_ AKSHAT SHRIVASTAVA.pptx
+++ b/AICTE PPT_ AKSHAT SHRIVASTAVA.pptx
@@ -5324,14 +5324,14 @@
                 <a:latin typeface="Calibri" panose="020F0502020204030204" pitchFamily="34" charset="0"/>
                 <a:cs typeface="Calibri" panose="020F0502020204030204" pitchFamily="34" charset="0"/>
               </a:rPr>
-              <a:t>          Open </a:t>
+              <a:t>          </a:t>
             </a:r>
             <a:r>
               <a:rPr lang="en-US" sz="2000" dirty="0" err="1">
                 <a:latin typeface="Calibri" panose="020F0502020204030204" pitchFamily="34" charset="0"/>
                 <a:cs typeface="Calibri" panose="020F0502020204030204" pitchFamily="34" charset="0"/>
               </a:rPr>
-              <a:t>Stego</a:t>
+              <a:t>OpenStego</a:t>
             </a:r>
             <a:r>
               <a:rPr lang="en-US" sz="2000" dirty="0">
@@ -6592,15 +6592,6 @@
 </file>
 
 <file path=customXml/item2.xml><?xml version="1.0" encoding="utf-8"?>
-<?mso-contentType ?>
-<FormTemplates xmlns="http://schemas.microsoft.com/sharepoint/v3/contenttype/forms">
-  <Display>DocumentLibraryForm</Display>
-  <Edit>DocumentLibraryForm</Edit>
-  <New>DocumentLibraryForm</New>
-</FormTemplates>
-</file>
-
-<file path=customXml/item3.xml><?xml version="1.0" encoding="utf-8"?>
 <ct:contentTypeSchema xmlns:ct="http://schemas.microsoft.com/office/2006/metadata/contentType" xmlns:ma="http://schemas.microsoft.com/office/2006/metadata/properties/metaAttributes" ct:_="" ma:_="" ma:contentTypeName="Document" ma:contentTypeID="0x0101007F0268AC5E70984D8FE60B7154176407" ma:contentTypeVersion="15" ma:contentTypeDescription="Create a new document." ma:contentTypeScope="" ma:versionID="104e359103f0f57b1cf9676756e5b944">
   <xsd:schema xmlns:xsd="http://www.w3.org/2001/XMLSchema" xmlns:xs="http://www.w3.org/2001/XMLSchema" xmlns:p="http://schemas.microsoft.com/office/2006/metadata/properties" xmlns:ns3="b30265f8-c5e2-4918-b4a1-b977299ca3e2" xmlns:ns4="fadb41d3-f9cb-40fb-903c-8cacaba95bb5" targetNamespace="http://schemas.microsoft.com/office/2006/metadata/properties" ma:root="true" ma:fieldsID="5615b8f8aa772998bad551f24a33de0e" ns3:_="" ns4:_="">
     <xsd:import namespace="b30265f8-c5e2-4918-b4a1-b977299ca3e2"/>
@@ -6833,6 +6824,15 @@
 </ct:contentTypeSchema>
 </file>
 
+<file path=customXml/item3.xml><?xml version="1.0" encoding="utf-8"?>
+<?mso-contentType ?>
+<FormTemplates xmlns="http://schemas.microsoft.com/sharepoint/v3/contenttype/forms">
+  <Display>DocumentLibraryForm</Display>
+  <Edit>DocumentLibraryForm</Edit>
+  <New>DocumentLibraryForm</New>
+</FormTemplates>
+</file>
+
 <file path=customXml/itemProps1.xml><?xml version="1.0" encoding="utf-8"?>
 <ds:datastoreItem xmlns:ds="http://schemas.openxmlformats.org/officeDocument/2006/customXml" ds:itemID="{8D289AE2-D2AE-49D1-AFAC-3A79F6794255}">
   <ds:schemaRefs>
@@ -6851,14 +6851,6 @@
 </file>
 
 <file path=customXml/itemProps2.xml><?xml version="1.0" encoding="utf-8"?>
-<ds:datastoreItem xmlns:ds="http://schemas.openxmlformats.org/officeDocument/2006/customXml" ds:itemID="{927BD4C1-B6B1-4715-ABF9-E660A51A4EA0}">
-  <ds:schemaRefs>
-    <ds:schemaRef ds:uri="http://schemas.microsoft.com/sharepoint/v3/contenttype/forms"/>
-  </ds:schemaRefs>
-</ds:datastoreItem>
-</file>
-
-<file path=customXml/itemProps3.xml><?xml version="1.0" encoding="utf-8"?>
 <ds:datastoreItem xmlns:ds="http://schemas.openxmlformats.org/officeDocument/2006/customXml" ds:itemID="{9DD71778-17EE-4151-88AE-C8F4E8043BD9}">
   <ds:schemaRefs>
     <ds:schemaRef ds:uri="http://schemas.microsoft.com/office/2006/metadata/contentType"/>
@@ -6875,4 +6867,12 @@
     <ds:schemaRef ds:uri="http://schemas.microsoft.com/internal/obd"/>
   </ds:schemaRefs>
 </ds:datastoreItem>
+</file>
+
+<file path=customXml/itemProps3.xml><?xml version="1.0" encoding="utf-8"?>
+<ds:datastoreItem xmlns:ds="http://schemas.openxmlformats.org/officeDocument/2006/customXml" ds:itemID="{927BD4C1-B6B1-4715-ABF9-E660A51A4EA0}">
+  <ds:schemaRefs>
+    <ds:schemaRef ds:uri="http://schemas.microsoft.com/sharepoint/v3/contenttype/forms"/>
+  </ds:schemaRefs>
+</ds:datastoreItem>
 </file>